--- a/120/OPSAWG/draft-opsawg-ipfix-on-path-telemetry.pptx
+++ b/120/OPSAWG/draft-opsawg-ipfix-on-path-telemetry.pptx
@@ -269,19 +269,19 @@
   </pc:docChgLst>
   <pc:docChgLst>
     <pc:chgData name="Graf Thomas, INI-NET-VNC-HCS" userId="487bc3e3-9ce7-4cdd-b7b4-8899ea88d289" providerId="ADAL" clId="{38EE2269-F98F-4B6A-AE5E-B8625D73B629}"/>
-    <pc:docChg chg="custSel addSld delSld modSld">
-      <pc:chgData name="Graf Thomas, INI-NET-VNC-HCS" userId="487bc3e3-9ce7-4cdd-b7b4-8899ea88d289" providerId="ADAL" clId="{38EE2269-F98F-4B6A-AE5E-B8625D73B629}" dt="2024-07-16T07:45:03.146" v="833" actId="948"/>
+    <pc:docChg chg="undo custSel addSld delSld modSld">
+      <pc:chgData name="Graf Thomas, INI-NET-VNC-HCS" userId="487bc3e3-9ce7-4cdd-b7b4-8899ea88d289" providerId="ADAL" clId="{38EE2269-F98F-4B6A-AE5E-B8625D73B629}" dt="2024-07-22T22:34:00.530" v="892" actId="207"/>
       <pc:docMkLst>
         <pc:docMk/>
       </pc:docMkLst>
       <pc:sldChg chg="modSp mod">
-        <pc:chgData name="Graf Thomas, INI-NET-VNC-HCS" userId="487bc3e3-9ce7-4cdd-b7b4-8899ea88d289" providerId="ADAL" clId="{38EE2269-F98F-4B6A-AE5E-B8625D73B629}" dt="2024-07-16T06:58:29.440" v="13" actId="20577"/>
+        <pc:chgData name="Graf Thomas, INI-NET-VNC-HCS" userId="487bc3e3-9ce7-4cdd-b7b4-8899ea88d289" providerId="ADAL" clId="{38EE2269-F98F-4B6A-AE5E-B8625D73B629}" dt="2024-07-22T22:34:00.530" v="892" actId="207"/>
         <pc:sldMkLst>
           <pc:docMk/>
           <pc:sldMk cId="3578665336" sldId="1041"/>
         </pc:sldMkLst>
         <pc:spChg chg="mod">
-          <ac:chgData name="Graf Thomas, INI-NET-VNC-HCS" userId="487bc3e3-9ce7-4cdd-b7b4-8899ea88d289" providerId="ADAL" clId="{38EE2269-F98F-4B6A-AE5E-B8625D73B629}" dt="2024-07-16T06:58:08.744" v="6" actId="207"/>
+          <ac:chgData name="Graf Thomas, INI-NET-VNC-HCS" userId="487bc3e3-9ce7-4cdd-b7b4-8899ea88d289" providerId="ADAL" clId="{38EE2269-F98F-4B6A-AE5E-B8625D73B629}" dt="2024-07-22T22:34:00.530" v="892" actId="207"/>
           <ac:spMkLst>
             <pc:docMk/>
             <pc:sldMk cId="3578665336" sldId="1041"/>
@@ -289,7 +289,7 @@
           </ac:spMkLst>
         </pc:spChg>
         <pc:spChg chg="mod">
-          <ac:chgData name="Graf Thomas, INI-NET-VNC-HCS" userId="487bc3e3-9ce7-4cdd-b7b4-8899ea88d289" providerId="ADAL" clId="{38EE2269-F98F-4B6A-AE5E-B8625D73B629}" dt="2024-07-16T06:58:29.440" v="13" actId="20577"/>
+          <ac:chgData name="Graf Thomas, INI-NET-VNC-HCS" userId="487bc3e3-9ce7-4cdd-b7b4-8899ea88d289" providerId="ADAL" clId="{38EE2269-F98F-4B6A-AE5E-B8625D73B629}" dt="2024-07-22T22:24:58.994" v="835" actId="20577"/>
           <ac:spMkLst>
             <pc:docMk/>
             <pc:sldMk cId="3578665336" sldId="1041"/>
@@ -298,13 +298,13 @@
         </pc:spChg>
       </pc:sldChg>
       <pc:sldChg chg="modSp mod">
-        <pc:chgData name="Graf Thomas, INI-NET-VNC-HCS" userId="487bc3e3-9ce7-4cdd-b7b4-8899ea88d289" providerId="ADAL" clId="{38EE2269-F98F-4B6A-AE5E-B8625D73B629}" dt="2024-07-16T07:45:03.146" v="833" actId="948"/>
+        <pc:chgData name="Graf Thomas, INI-NET-VNC-HCS" userId="487bc3e3-9ce7-4cdd-b7b4-8899ea88d289" providerId="ADAL" clId="{38EE2269-F98F-4B6A-AE5E-B8625D73B629}" dt="2024-07-22T22:30:47.911" v="890" actId="20577"/>
         <pc:sldMkLst>
           <pc:docMk/>
           <pc:sldMk cId="958437681" sldId="26413"/>
         </pc:sldMkLst>
         <pc:spChg chg="mod">
-          <ac:chgData name="Graf Thomas, INI-NET-VNC-HCS" userId="487bc3e3-9ce7-4cdd-b7b4-8899ea88d289" providerId="ADAL" clId="{38EE2269-F98F-4B6A-AE5E-B8625D73B629}" dt="2024-07-16T07:35:08.294" v="687" actId="790"/>
+          <ac:chgData name="Graf Thomas, INI-NET-VNC-HCS" userId="487bc3e3-9ce7-4cdd-b7b4-8899ea88d289" providerId="ADAL" clId="{38EE2269-F98F-4B6A-AE5E-B8625D73B629}" dt="2024-07-22T22:27:10.428" v="873" actId="20577"/>
           <ac:spMkLst>
             <pc:docMk/>
             <pc:sldMk cId="958437681" sldId="26413"/>
@@ -312,7 +312,7 @@
           </ac:spMkLst>
         </pc:spChg>
         <pc:spChg chg="mod">
-          <ac:chgData name="Graf Thomas, INI-NET-VNC-HCS" userId="487bc3e3-9ce7-4cdd-b7b4-8899ea88d289" providerId="ADAL" clId="{38EE2269-F98F-4B6A-AE5E-B8625D73B629}" dt="2024-07-16T07:45:03.146" v="833" actId="948"/>
+          <ac:chgData name="Graf Thomas, INI-NET-VNC-HCS" userId="487bc3e3-9ce7-4cdd-b7b4-8899ea88d289" providerId="ADAL" clId="{38EE2269-F98F-4B6A-AE5E-B8625D73B629}" dt="2024-07-22T22:30:47.911" v="890" actId="20577"/>
           <ac:spMkLst>
             <pc:docMk/>
             <pc:sldMk cId="958437681" sldId="26413"/>
@@ -320,7 +320,7 @@
           </ac:spMkLst>
         </pc:spChg>
         <pc:spChg chg="mod">
-          <ac:chgData name="Graf Thomas, INI-NET-VNC-HCS" userId="487bc3e3-9ce7-4cdd-b7b4-8899ea88d289" providerId="ADAL" clId="{38EE2269-F98F-4B6A-AE5E-B8625D73B629}" dt="2024-07-16T07:35:08.294" v="687" actId="790"/>
+          <ac:chgData name="Graf Thomas, INI-NET-VNC-HCS" userId="487bc3e3-9ce7-4cdd-b7b4-8899ea88d289" providerId="ADAL" clId="{38EE2269-F98F-4B6A-AE5E-B8625D73B629}" dt="2024-07-22T22:27:20.472" v="880" actId="20577"/>
           <ac:spMkLst>
             <pc:docMk/>
             <pc:sldMk cId="958437681" sldId="26413"/>
@@ -1574,7 +1574,7 @@
           <a:p>
             <a:fld id="{E5E705E9-673F-4AC4-B29E-A7B26F3B8523}" type="datetimeFigureOut">
               <a:rPr lang="de-CH" smtClean="0"/>
-              <a:t>16.07.2024</a:t>
+              <a:t>22.07.2024</a:t>
             </a:fld>
             <a:endParaRPr lang="de-CH"/>
           </a:p>
@@ -1991,7 +1991,7 @@
           <a:p>
             <a:fld id="{9E9B238C-2335-4007-98C9-471C02CC43B6}" type="datetimeFigureOut">
               <a:rPr lang="de-CH" smtClean="0"/>
-              <a:t>16.07.2024</a:t>
+              <a:t>22.07.2024</a:t>
             </a:fld>
             <a:endParaRPr lang="de-CH"/>
           </a:p>
@@ -2191,7 +2191,7 @@
           <a:p>
             <a:fld id="{9E9B238C-2335-4007-98C9-471C02CC43B6}" type="datetimeFigureOut">
               <a:rPr lang="de-CH" smtClean="0"/>
-              <a:t>16.07.2024</a:t>
+              <a:t>22.07.2024</a:t>
             </a:fld>
             <a:endParaRPr lang="de-CH"/>
           </a:p>
@@ -2401,7 +2401,7 @@
           <a:p>
             <a:fld id="{9E9B238C-2335-4007-98C9-471C02CC43B6}" type="datetimeFigureOut">
               <a:rPr lang="de-CH" smtClean="0"/>
-              <a:t>16.07.2024</a:t>
+              <a:t>22.07.2024</a:t>
             </a:fld>
             <a:endParaRPr lang="de-CH"/>
           </a:p>
@@ -2601,7 +2601,7 @@
           <a:p>
             <a:fld id="{9E9B238C-2335-4007-98C9-471C02CC43B6}" type="datetimeFigureOut">
               <a:rPr lang="de-CH" smtClean="0"/>
-              <a:t>16.07.2024</a:t>
+              <a:t>22.07.2024</a:t>
             </a:fld>
             <a:endParaRPr lang="de-CH"/>
           </a:p>
@@ -2877,7 +2877,7 @@
           <a:p>
             <a:fld id="{9E9B238C-2335-4007-98C9-471C02CC43B6}" type="datetimeFigureOut">
               <a:rPr lang="de-CH" smtClean="0"/>
-              <a:t>16.07.2024</a:t>
+              <a:t>22.07.2024</a:t>
             </a:fld>
             <a:endParaRPr lang="de-CH"/>
           </a:p>
@@ -3145,7 +3145,7 @@
           <a:p>
             <a:fld id="{9E9B238C-2335-4007-98C9-471C02CC43B6}" type="datetimeFigureOut">
               <a:rPr lang="de-CH" smtClean="0"/>
-              <a:t>16.07.2024</a:t>
+              <a:t>22.07.2024</a:t>
             </a:fld>
             <a:endParaRPr lang="de-CH"/>
           </a:p>
@@ -3560,7 +3560,7 @@
           <a:p>
             <a:fld id="{9E9B238C-2335-4007-98C9-471C02CC43B6}" type="datetimeFigureOut">
               <a:rPr lang="de-CH" smtClean="0"/>
-              <a:t>16.07.2024</a:t>
+              <a:t>22.07.2024</a:t>
             </a:fld>
             <a:endParaRPr lang="de-CH"/>
           </a:p>
@@ -3702,7 +3702,7 @@
           <a:p>
             <a:fld id="{9E9B238C-2335-4007-98C9-471C02CC43B6}" type="datetimeFigureOut">
               <a:rPr lang="de-CH" smtClean="0"/>
-              <a:t>16.07.2024</a:t>
+              <a:t>22.07.2024</a:t>
             </a:fld>
             <a:endParaRPr lang="de-CH"/>
           </a:p>
@@ -3815,7 +3815,7 @@
           <a:p>
             <a:fld id="{9E9B238C-2335-4007-98C9-471C02CC43B6}" type="datetimeFigureOut">
               <a:rPr lang="de-CH" smtClean="0"/>
-              <a:t>16.07.2024</a:t>
+              <a:t>22.07.2024</a:t>
             </a:fld>
             <a:endParaRPr lang="de-CH"/>
           </a:p>
@@ -4128,7 +4128,7 @@
           <a:p>
             <a:fld id="{9E9B238C-2335-4007-98C9-471C02CC43B6}" type="datetimeFigureOut">
               <a:rPr lang="de-CH" smtClean="0"/>
-              <a:t>16.07.2024</a:t>
+              <a:t>22.07.2024</a:t>
             </a:fld>
             <a:endParaRPr lang="de-CH"/>
           </a:p>
@@ -4417,7 +4417,7 @@
           <a:p>
             <a:fld id="{9E9B238C-2335-4007-98C9-471C02CC43B6}" type="datetimeFigureOut">
               <a:rPr lang="de-CH" smtClean="0"/>
-              <a:t>16.07.2024</a:t>
+              <a:t>22.07.2024</a:t>
             </a:fld>
             <a:endParaRPr lang="de-CH"/>
           </a:p>
@@ -4660,7 +4660,7 @@
           <a:p>
             <a:fld id="{9E9B238C-2335-4007-98C9-471C02CC43B6}" type="datetimeFigureOut">
               <a:rPr lang="de-CH" smtClean="0"/>
-              <a:t>16.07.2024</a:t>
+              <a:t>22.07.2024</a:t>
             </a:fld>
             <a:endParaRPr lang="de-CH"/>
           </a:p>
@@ -5125,19 +5125,19 @@
           </a:lstStyle>
           <a:p>
             <a:r>
-              <a:rPr lang="en-US" sz="3400" b="1" dirty="0"/>
+              <a:rPr lang="en-US" sz="3600" b="1" dirty="0"/>
               <a:t>Export of </a:t>
             </a:r>
             <a:r>
-              <a:rPr lang="en-US" sz="3400" b="1" dirty="0">
+              <a:rPr lang="en-US" sz="3600" b="1" dirty="0">
                 <a:solidFill>
                   <a:srgbClr val="FF0000"/>
                 </a:solidFill>
               </a:rPr>
-              <a:t>On-Path Delay </a:t>
-            </a:r>
-            <a:r>
-              <a:rPr lang="en-US" sz="3400" b="1" dirty="0"/>
+              <a:t>Delay Performance Metrics </a:t>
+            </a:r>
+            <a:r>
+              <a:rPr lang="en-US" sz="3600" b="1" dirty="0"/>
               <a:t>in IPFIX</a:t>
             </a:r>
             <a:br>
@@ -5493,7 +5493,7 @@
               <a:rPr lang="de-CH" sz="3800" dirty="0">
                 <a:latin typeface="+mj-lt"/>
               </a:rPr>
-              <a:t>16. </a:t>
+              <a:t>22. </a:t>
             </a:r>
             <a:r>
               <a:rPr lang="de-CH" sz="3800" dirty="0" err="1">
@@ -5569,7 +5569,7 @@
           <a:p>
             <a:r>
               <a:rPr lang="en-US" sz="3200" b="1" dirty="0"/>
-              <a:t>Export of On-Path Delay in IPFIX</a:t>
+              <a:t>Export of Delay Performance Metrics in IPFIX</a:t>
             </a:r>
             <a:br>
               <a:rPr lang="en-US" sz="3600" dirty="0"/>
@@ -5788,7 +5788,7 @@
                 <a:latin typeface="Calibri" panose="020F0502020204030204" pitchFamily="34" charset="0"/>
                 <a:ea typeface="Times New Roman" panose="02020603050405020304" pitchFamily="18" charset="0"/>
               </a:rPr>
-              <a:t>Addressed feedback from Med, Paul and Greg in -09 revision. Many thanks for their review!</a:t>
+              <a:t>Addressed feedback from Med, Paul and Greg in -09 and -10 revision. Many thanks for their review!</a:t>
             </a:r>
           </a:p>
           <a:p>
@@ -6157,7 +6157,7 @@
               <a:rPr lang="en-US" sz="3800" dirty="0">
                 <a:latin typeface="+mj-lt"/>
               </a:rPr>
-              <a:t>24. July 2023</a:t>
+              <a:t>22. July 2024</a:t>
             </a:r>
           </a:p>
           <a:p>
